--- a/MODEL2_MVC_디자인패턴/MODEL2_MVC_디자인패턴.pptx
+++ b/MODEL2_MVC_디자인패턴/MODEL2_MVC_디자인패턴.pptx
@@ -104,6 +104,11 @@
       </a:defRPr>
     </a:lvl9pPr>
   </p:defaultTextStyle>
+  <p:extLst>
+    <p:ext uri="{EFAFB233-063F-42B5-8137-9DF3F51BA10A}">
+      <p15:sldGuideLst xmlns:p15="http://schemas.microsoft.com/office/powerpoint/2012/main"/>
+    </p:ext>
+  </p:extLst>
 </p:presentation>
 </file>
 
@@ -238,7 +243,7 @@
           <a:p>
             <a:fld id="{9D326075-A7EB-428C-9811-2ADF18209DBA}" type="datetimeFigureOut">
               <a:rPr lang="ko-KR" altLang="en-US" smtClean="0"/>
-              <a:t>2020-09-24</a:t>
+              <a:t>2020-09-29</a:t>
             </a:fld>
             <a:endParaRPr lang="ko-KR" altLang="en-US"/>
           </a:p>
@@ -408,7 +413,7 @@
           <a:p>
             <a:fld id="{9D326075-A7EB-428C-9811-2ADF18209DBA}" type="datetimeFigureOut">
               <a:rPr lang="ko-KR" altLang="en-US" smtClean="0"/>
-              <a:t>2020-09-24</a:t>
+              <a:t>2020-09-29</a:t>
             </a:fld>
             <a:endParaRPr lang="ko-KR" altLang="en-US"/>
           </a:p>
@@ -588,7 +593,7 @@
           <a:p>
             <a:fld id="{9D326075-A7EB-428C-9811-2ADF18209DBA}" type="datetimeFigureOut">
               <a:rPr lang="ko-KR" altLang="en-US" smtClean="0"/>
-              <a:t>2020-09-24</a:t>
+              <a:t>2020-09-29</a:t>
             </a:fld>
             <a:endParaRPr lang="ko-KR" altLang="en-US"/>
           </a:p>
@@ -758,7 +763,7 @@
           <a:p>
             <a:fld id="{9D326075-A7EB-428C-9811-2ADF18209DBA}" type="datetimeFigureOut">
               <a:rPr lang="ko-KR" altLang="en-US" smtClean="0"/>
-              <a:t>2020-09-24</a:t>
+              <a:t>2020-09-29</a:t>
             </a:fld>
             <a:endParaRPr lang="ko-KR" altLang="en-US"/>
           </a:p>
@@ -1004,7 +1009,7 @@
           <a:p>
             <a:fld id="{9D326075-A7EB-428C-9811-2ADF18209DBA}" type="datetimeFigureOut">
               <a:rPr lang="ko-KR" altLang="en-US" smtClean="0"/>
-              <a:t>2020-09-24</a:t>
+              <a:t>2020-09-29</a:t>
             </a:fld>
             <a:endParaRPr lang="ko-KR" altLang="en-US"/>
           </a:p>
@@ -1236,7 +1241,7 @@
           <a:p>
             <a:fld id="{9D326075-A7EB-428C-9811-2ADF18209DBA}" type="datetimeFigureOut">
               <a:rPr lang="ko-KR" altLang="en-US" smtClean="0"/>
-              <a:t>2020-09-24</a:t>
+              <a:t>2020-09-29</a:t>
             </a:fld>
             <a:endParaRPr lang="ko-KR" altLang="en-US"/>
           </a:p>
@@ -1603,7 +1608,7 @@
           <a:p>
             <a:fld id="{9D326075-A7EB-428C-9811-2ADF18209DBA}" type="datetimeFigureOut">
               <a:rPr lang="ko-KR" altLang="en-US" smtClean="0"/>
-              <a:t>2020-09-24</a:t>
+              <a:t>2020-09-29</a:t>
             </a:fld>
             <a:endParaRPr lang="ko-KR" altLang="en-US"/>
           </a:p>
@@ -1721,7 +1726,7 @@
           <a:p>
             <a:fld id="{9D326075-A7EB-428C-9811-2ADF18209DBA}" type="datetimeFigureOut">
               <a:rPr lang="ko-KR" altLang="en-US" smtClean="0"/>
-              <a:t>2020-09-24</a:t>
+              <a:t>2020-09-29</a:t>
             </a:fld>
             <a:endParaRPr lang="ko-KR" altLang="en-US"/>
           </a:p>
@@ -1816,7 +1821,7 @@
           <a:p>
             <a:fld id="{9D326075-A7EB-428C-9811-2ADF18209DBA}" type="datetimeFigureOut">
               <a:rPr lang="ko-KR" altLang="en-US" smtClean="0"/>
-              <a:t>2020-09-24</a:t>
+              <a:t>2020-09-29</a:t>
             </a:fld>
             <a:endParaRPr lang="ko-KR" altLang="en-US"/>
           </a:p>
@@ -2093,7 +2098,7 @@
           <a:p>
             <a:fld id="{9D326075-A7EB-428C-9811-2ADF18209DBA}" type="datetimeFigureOut">
               <a:rPr lang="ko-KR" altLang="en-US" smtClean="0"/>
-              <a:t>2020-09-24</a:t>
+              <a:t>2020-09-29</a:t>
             </a:fld>
             <a:endParaRPr lang="ko-KR" altLang="en-US"/>
           </a:p>
@@ -2346,7 +2351,7 @@
           <a:p>
             <a:fld id="{9D326075-A7EB-428C-9811-2ADF18209DBA}" type="datetimeFigureOut">
               <a:rPr lang="ko-KR" altLang="en-US" smtClean="0"/>
-              <a:t>2020-09-24</a:t>
+              <a:t>2020-09-29</a:t>
             </a:fld>
             <a:endParaRPr lang="ko-KR" altLang="en-US"/>
           </a:p>
@@ -2559,7 +2564,7 @@
           <a:p>
             <a:fld id="{9D326075-A7EB-428C-9811-2ADF18209DBA}" type="datetimeFigureOut">
               <a:rPr lang="ko-KR" altLang="en-US" smtClean="0"/>
-              <a:t>2020-09-24</a:t>
+              <a:t>2020-09-29</a:t>
             </a:fld>
             <a:endParaRPr lang="ko-KR" altLang="en-US"/>
           </a:p>
@@ -2972,7 +2977,7 @@
         </p:nvSpPr>
         <p:spPr>
           <a:xfrm>
-            <a:off x="1815743" y="968042"/>
+            <a:off x="1173918" y="634035"/>
             <a:ext cx="1426219" cy="914400"/>
           </a:xfrm>
           <a:prstGeom prst="rect">
@@ -3032,7 +3037,7 @@
         </p:nvSpPr>
         <p:spPr>
           <a:xfrm>
-            <a:off x="4323415" y="968042"/>
+            <a:off x="4265278" y="280627"/>
             <a:ext cx="1426219" cy="914400"/>
           </a:xfrm>
           <a:prstGeom prst="rect">
@@ -3121,9 +3126,9 @@
           <p:nvPr/>
         </p:nvCxnSpPr>
         <p:spPr>
-          <a:xfrm>
-            <a:off x="3241962" y="1425242"/>
-            <a:ext cx="1081453" cy="0"/>
+          <a:xfrm flipV="1">
+            <a:off x="2600137" y="737827"/>
+            <a:ext cx="1665141" cy="353408"/>
           </a:xfrm>
           <a:prstGeom prst="straightConnector1">
             <a:avLst/>
@@ -3149,43 +3154,13 @@
       </p:cxnSp>
       <p:sp>
         <p:nvSpPr>
-          <p:cNvPr id="10" name="TextBox 9"/>
-          <p:cNvSpPr txBox="1"/>
-          <p:nvPr/>
-        </p:nvSpPr>
-        <p:spPr>
-          <a:xfrm>
-            <a:off x="3301659" y="1055910"/>
-            <a:ext cx="962058" cy="369332"/>
-          </a:xfrm>
-          <a:prstGeom prst="rect">
-            <a:avLst/>
-          </a:prstGeom>
-          <a:noFill/>
-        </p:spPr>
-        <p:txBody>
-          <a:bodyPr wrap="none" rtlCol="0">
-            <a:spAutoFit/>
-          </a:bodyPr>
-          <a:lstStyle/>
-          <a:p>
-            <a:r>
-              <a:rPr lang="en-US" altLang="ko-KR" dirty="0" smtClean="0"/>
-              <a:t>request</a:t>
-            </a:r>
-            <a:endParaRPr lang="ko-KR" altLang="en-US" dirty="0"/>
-          </a:p>
-        </p:txBody>
-      </p:sp>
-      <p:sp>
-        <p:nvSpPr>
           <p:cNvPr id="12" name="직사각형 11"/>
           <p:cNvSpPr/>
           <p:nvPr/>
         </p:nvSpPr>
         <p:spPr>
           <a:xfrm>
-            <a:off x="6831087" y="968042"/>
+            <a:off x="6974743" y="247714"/>
             <a:ext cx="1426219" cy="914400"/>
           </a:xfrm>
           <a:prstGeom prst="rect">
@@ -3272,7 +3247,7 @@
         </p:nvSpPr>
         <p:spPr>
           <a:xfrm>
-            <a:off x="9338759" y="975502"/>
+            <a:off x="9381069" y="247714"/>
             <a:ext cx="1426219" cy="914400"/>
           </a:xfrm>
           <a:prstGeom prst="rect">
@@ -3446,7 +3421,7 @@
         </p:nvSpPr>
         <p:spPr>
           <a:xfrm>
-            <a:off x="9338758" y="5210096"/>
+            <a:off x="9455811" y="5708270"/>
             <a:ext cx="1426219" cy="914400"/>
           </a:xfrm>
           <a:prstGeom prst="rect">
@@ -3506,7 +3481,7 @@
         </p:nvSpPr>
         <p:spPr>
           <a:xfrm>
-            <a:off x="1815742" y="3549606"/>
+            <a:off x="1258699" y="2728537"/>
             <a:ext cx="1426219" cy="914400"/>
           </a:xfrm>
           <a:prstGeom prst="rect">
@@ -3566,8 +3541,8 @@
         </p:nvCxnSpPr>
         <p:spPr>
           <a:xfrm flipH="1">
-            <a:off x="3241961" y="1882442"/>
-            <a:ext cx="1081454" cy="1667164"/>
+            <a:off x="2700911" y="1072131"/>
+            <a:ext cx="1562651" cy="1896093"/>
           </a:xfrm>
           <a:prstGeom prst="straightConnector1">
             <a:avLst/>
@@ -3598,15 +3573,30 @@
           <p:nvPr/>
         </p:nvSpPr>
         <p:spPr>
-          <a:xfrm>
-            <a:off x="3842386" y="2612176"/>
-            <a:ext cx="1117550" cy="369332"/>
+          <a:xfrm rot="18455161">
+            <a:off x="2951848" y="2060439"/>
+            <a:ext cx="1531638" cy="369332"/>
           </a:xfrm>
           <a:prstGeom prst="rect">
             <a:avLst/>
           </a:prstGeom>
-          <a:noFill/>
-        </p:spPr>
+        </p:spPr>
+        <p:style>
+          <a:lnRef idx="2">
+            <a:schemeClr val="accent6">
+              <a:shade val="50000"/>
+            </a:schemeClr>
+          </a:lnRef>
+          <a:fillRef idx="1">
+            <a:schemeClr val="accent6"/>
+          </a:fillRef>
+          <a:effectRef idx="0">
+            <a:schemeClr val="accent6"/>
+          </a:effectRef>
+          <a:fontRef idx="minor">
+            <a:schemeClr val="lt1"/>
+          </a:fontRef>
+        </p:style>
         <p:txBody>
           <a:bodyPr wrap="none" rtlCol="0">
             <a:spAutoFit/>
@@ -3614,10 +3604,10 @@
           <a:lstStyle/>
           <a:p>
             <a:r>
-              <a:rPr lang="en-US" altLang="ko-KR" dirty="0" smtClean="0"/>
-              <a:t>response</a:t>
-            </a:r>
-            <a:endParaRPr lang="ko-KR" altLang="en-US" dirty="0"/>
+              <a:rPr lang="en-US" altLang="ko-KR" b="1" dirty="0" smtClean="0"/>
+              <a:t>6.(response)</a:t>
+            </a:r>
+            <a:endParaRPr lang="ko-KR" altLang="en-US" b="1" dirty="0"/>
           </a:p>
         </p:txBody>
       </p:sp>
@@ -3629,8 +3619,8 @@
         </p:nvCxnSpPr>
         <p:spPr>
           <a:xfrm>
-            <a:off x="5749634" y="1261890"/>
-            <a:ext cx="1081453" cy="0"/>
+            <a:off x="5748821" y="532956"/>
+            <a:ext cx="1230119" cy="743"/>
           </a:xfrm>
           <a:prstGeom prst="straightConnector1">
             <a:avLst/>
@@ -3661,9 +3651,9 @@
           <p:nvPr/>
         </p:nvCxnSpPr>
         <p:spPr>
-          <a:xfrm flipH="1">
-            <a:off x="5749634" y="1551710"/>
-            <a:ext cx="1081453" cy="4029"/>
+          <a:xfrm flipH="1" flipV="1">
+            <a:off x="5691498" y="922770"/>
+            <a:ext cx="1283245" cy="1234"/>
           </a:xfrm>
           <a:prstGeom prst="straightConnector1">
             <a:avLst/>
@@ -3695,8 +3685,8 @@
         </p:nvCxnSpPr>
         <p:spPr>
           <a:xfrm>
-            <a:off x="8257305" y="1257861"/>
-            <a:ext cx="1081453" cy="0"/>
+            <a:off x="8374358" y="532956"/>
+            <a:ext cx="1006711" cy="0"/>
           </a:xfrm>
           <a:prstGeom prst="straightConnector1">
             <a:avLst/>
@@ -3728,8 +3718,8 @@
         </p:nvCxnSpPr>
         <p:spPr>
           <a:xfrm flipH="1">
-            <a:off x="8257305" y="1547681"/>
-            <a:ext cx="1081453" cy="4029"/>
+            <a:off x="8416460" y="924004"/>
+            <a:ext cx="964609" cy="0"/>
           </a:xfrm>
           <a:prstGeom prst="straightConnector1">
             <a:avLst/>
@@ -3760,9 +3750,9 @@
           <p:nvPr/>
         </p:nvCxnSpPr>
         <p:spPr>
-          <a:xfrm flipV="1">
-            <a:off x="9916026" y="1889902"/>
-            <a:ext cx="1" cy="1202504"/>
+          <a:xfrm flipH="1" flipV="1">
+            <a:off x="9934374" y="1162114"/>
+            <a:ext cx="9726" cy="1610238"/>
           </a:xfrm>
           <a:prstGeom prst="straightConnector1">
             <a:avLst/>
@@ -3793,9 +3783,9 @@
           <p:nvPr/>
         </p:nvCxnSpPr>
         <p:spPr>
-          <a:xfrm flipH="1">
-            <a:off x="10227356" y="1889902"/>
-            <a:ext cx="1" cy="1202504"/>
+          <a:xfrm>
+            <a:off x="10283266" y="1192152"/>
+            <a:ext cx="12037" cy="1587585"/>
           </a:xfrm>
           <a:prstGeom prst="straightConnector1">
             <a:avLst/>
@@ -3827,8 +3817,8 @@
         </p:nvCxnSpPr>
         <p:spPr>
           <a:xfrm flipV="1">
-            <a:off x="9904086" y="4003624"/>
-            <a:ext cx="0" cy="1203290"/>
+            <a:off x="9829589" y="4003623"/>
+            <a:ext cx="1" cy="1704647"/>
           </a:xfrm>
           <a:prstGeom prst="straightConnector1">
             <a:avLst/>
@@ -3859,9 +3849,9 @@
           <p:nvPr/>
         </p:nvCxnSpPr>
         <p:spPr>
-          <a:xfrm flipH="1">
-            <a:off x="10227357" y="4003624"/>
-            <a:ext cx="1" cy="1202504"/>
+          <a:xfrm>
+            <a:off x="10404048" y="4003623"/>
+            <a:ext cx="19104" cy="1704647"/>
           </a:xfrm>
           <a:prstGeom prst="straightConnector1">
             <a:avLst/>
@@ -3885,6 +3875,574 @@
           </a:fontRef>
         </p:style>
       </p:cxnSp>
+      <p:sp>
+        <p:nvSpPr>
+          <p:cNvPr id="24" name="TextBox 23"/>
+          <p:cNvSpPr txBox="1"/>
+          <p:nvPr/>
+        </p:nvSpPr>
+        <p:spPr>
+          <a:xfrm>
+            <a:off x="8921370" y="3772844"/>
+            <a:ext cx="662804" cy="369332"/>
+          </a:xfrm>
+          <a:prstGeom prst="rect">
+            <a:avLst/>
+          </a:prstGeom>
+        </p:spPr>
+        <p:style>
+          <a:lnRef idx="2">
+            <a:schemeClr val="accent1">
+              <a:shade val="50000"/>
+            </a:schemeClr>
+          </a:lnRef>
+          <a:fillRef idx="1">
+            <a:schemeClr val="accent1"/>
+          </a:fillRef>
+          <a:effectRef idx="0">
+            <a:schemeClr val="accent1"/>
+          </a:effectRef>
+          <a:fontRef idx="minor">
+            <a:schemeClr val="lt1"/>
+          </a:fontRef>
+        </p:style>
+        <p:txBody>
+          <a:bodyPr wrap="square" rtlCol="0">
+            <a:spAutoFit/>
+          </a:bodyPr>
+          <a:lstStyle/>
+          <a:p>
+            <a:pPr algn="ctr"/>
+            <a:r>
+              <a:rPr lang="en-US" altLang="ko-KR" dirty="0" smtClean="0"/>
+              <a:t>VO </a:t>
+            </a:r>
+            <a:endParaRPr lang="ko-KR" altLang="en-US" dirty="0"/>
+          </a:p>
+        </p:txBody>
+      </p:sp>
+      <p:sp>
+        <p:nvSpPr>
+          <p:cNvPr id="26" name="TextBox 25"/>
+          <p:cNvSpPr txBox="1"/>
+          <p:nvPr/>
+        </p:nvSpPr>
+        <p:spPr>
+          <a:xfrm>
+            <a:off x="4370597" y="0"/>
+            <a:ext cx="1221311" cy="323165"/>
+          </a:xfrm>
+          <a:prstGeom prst="rect">
+            <a:avLst/>
+          </a:prstGeom>
+        </p:spPr>
+        <p:style>
+          <a:lnRef idx="2">
+            <a:schemeClr val="accent1">
+              <a:shade val="50000"/>
+            </a:schemeClr>
+          </a:lnRef>
+          <a:fillRef idx="1">
+            <a:schemeClr val="accent1"/>
+          </a:fillRef>
+          <a:effectRef idx="0">
+            <a:schemeClr val="accent1"/>
+          </a:effectRef>
+          <a:fontRef idx="minor">
+            <a:schemeClr val="lt1"/>
+          </a:fontRef>
+        </p:style>
+        <p:txBody>
+          <a:bodyPr wrap="square" rtlCol="0">
+            <a:spAutoFit/>
+          </a:bodyPr>
+          <a:lstStyle/>
+          <a:p>
+            <a:pPr algn="ctr"/>
+            <a:r>
+              <a:rPr lang="en-US" altLang="ko-KR" sz="1500" b="1" dirty="0" smtClean="0"/>
+              <a:t>Controller</a:t>
+            </a:r>
+            <a:r>
+              <a:rPr lang="en-US" altLang="ko-KR" sz="1500" b="1" dirty="0" smtClean="0"/>
+              <a:t> </a:t>
+            </a:r>
+            <a:endParaRPr lang="ko-KR" altLang="en-US" sz="1500" b="1" dirty="0"/>
+          </a:p>
+        </p:txBody>
+      </p:sp>
+      <p:sp>
+        <p:nvSpPr>
+          <p:cNvPr id="27" name="TextBox 26"/>
+          <p:cNvSpPr txBox="1"/>
+          <p:nvPr/>
+        </p:nvSpPr>
+        <p:spPr>
+          <a:xfrm>
+            <a:off x="1364911" y="2405043"/>
+            <a:ext cx="1213794" cy="323165"/>
+          </a:xfrm>
+          <a:prstGeom prst="rect">
+            <a:avLst/>
+          </a:prstGeom>
+        </p:spPr>
+        <p:style>
+          <a:lnRef idx="2">
+            <a:schemeClr val="accent1">
+              <a:shade val="50000"/>
+            </a:schemeClr>
+          </a:lnRef>
+          <a:fillRef idx="1">
+            <a:schemeClr val="accent1"/>
+          </a:fillRef>
+          <a:effectRef idx="0">
+            <a:schemeClr val="accent1"/>
+          </a:effectRef>
+          <a:fontRef idx="minor">
+            <a:schemeClr val="lt1"/>
+          </a:fontRef>
+        </p:style>
+        <p:txBody>
+          <a:bodyPr wrap="none" rtlCol="0">
+            <a:spAutoFit/>
+          </a:bodyPr>
+          <a:lstStyle/>
+          <a:p>
+            <a:pPr algn="ctr"/>
+            <a:r>
+              <a:rPr lang="ko-KR" altLang="en-US" sz="1500" dirty="0" smtClean="0"/>
+              <a:t>클라이언트</a:t>
+            </a:r>
+            <a:r>
+              <a:rPr lang="en-US" altLang="ko-KR" sz="1500" dirty="0" smtClean="0"/>
+              <a:t> </a:t>
+            </a:r>
+            <a:endParaRPr lang="ko-KR" altLang="en-US" sz="1500" dirty="0"/>
+          </a:p>
+        </p:txBody>
+      </p:sp>
+      <p:sp>
+        <p:nvSpPr>
+          <p:cNvPr id="32" name="TextBox 31"/>
+          <p:cNvSpPr txBox="1"/>
+          <p:nvPr/>
+        </p:nvSpPr>
+        <p:spPr>
+          <a:xfrm rot="20849506">
+            <a:off x="2634272" y="468590"/>
+            <a:ext cx="1369734" cy="369332"/>
+          </a:xfrm>
+          <a:prstGeom prst="rect">
+            <a:avLst/>
+          </a:prstGeom>
+        </p:spPr>
+        <p:style>
+          <a:lnRef idx="2">
+            <a:schemeClr val="accent6">
+              <a:shade val="50000"/>
+            </a:schemeClr>
+          </a:lnRef>
+          <a:fillRef idx="1">
+            <a:schemeClr val="accent6"/>
+          </a:fillRef>
+          <a:effectRef idx="0">
+            <a:schemeClr val="accent6"/>
+          </a:effectRef>
+          <a:fontRef idx="minor">
+            <a:schemeClr val="lt1"/>
+          </a:fontRef>
+        </p:style>
+        <p:txBody>
+          <a:bodyPr wrap="none" rtlCol="0">
+            <a:spAutoFit/>
+          </a:bodyPr>
+          <a:lstStyle/>
+          <a:p>
+            <a:r>
+              <a:rPr lang="en-US" altLang="ko-KR" b="1" dirty="0"/>
+              <a:t>1</a:t>
+            </a:r>
+            <a:r>
+              <a:rPr lang="en-US" altLang="ko-KR" b="1" dirty="0" smtClean="0"/>
+              <a:t>.(</a:t>
+            </a:r>
+            <a:r>
+              <a:rPr lang="en-US" altLang="ko-KR" b="1" dirty="0" err="1" smtClean="0"/>
+              <a:t>requset</a:t>
+            </a:r>
+            <a:r>
+              <a:rPr lang="en-US" altLang="ko-KR" b="1" dirty="0" smtClean="0"/>
+              <a:t>)</a:t>
+            </a:r>
+            <a:endParaRPr lang="ko-KR" altLang="en-US" b="1" dirty="0"/>
+          </a:p>
+        </p:txBody>
+      </p:sp>
+      <p:sp>
+        <p:nvSpPr>
+          <p:cNvPr id="34" name="TextBox 33"/>
+          <p:cNvSpPr txBox="1"/>
+          <p:nvPr/>
+        </p:nvSpPr>
+        <p:spPr>
+          <a:xfrm>
+            <a:off x="9544161" y="2784010"/>
+            <a:ext cx="1100034" cy="323165"/>
+          </a:xfrm>
+          <a:prstGeom prst="rect">
+            <a:avLst/>
+          </a:prstGeom>
+        </p:spPr>
+        <p:style>
+          <a:lnRef idx="2">
+            <a:schemeClr val="accent1">
+              <a:shade val="50000"/>
+            </a:schemeClr>
+          </a:lnRef>
+          <a:fillRef idx="1">
+            <a:schemeClr val="accent1"/>
+          </a:fillRef>
+          <a:effectRef idx="0">
+            <a:schemeClr val="accent1"/>
+          </a:effectRef>
+          <a:fontRef idx="minor">
+            <a:schemeClr val="lt1"/>
+          </a:fontRef>
+        </p:style>
+        <p:txBody>
+          <a:bodyPr wrap="square" rtlCol="0">
+            <a:spAutoFit/>
+          </a:bodyPr>
+          <a:lstStyle/>
+          <a:p>
+            <a:pPr algn="ctr"/>
+            <a:r>
+              <a:rPr lang="en-US" altLang="ko-KR" sz="1500" dirty="0" smtClean="0"/>
+              <a:t>Model</a:t>
+            </a:r>
+            <a:r>
+              <a:rPr lang="en-US" altLang="ko-KR" sz="1500" dirty="0" smtClean="0"/>
+              <a:t> </a:t>
+            </a:r>
+            <a:endParaRPr lang="ko-KR" altLang="en-US" sz="1500" dirty="0"/>
+          </a:p>
+        </p:txBody>
+      </p:sp>
+      <p:sp>
+        <p:nvSpPr>
+          <p:cNvPr id="35" name="TextBox 34"/>
+          <p:cNvSpPr txBox="1"/>
+          <p:nvPr/>
+        </p:nvSpPr>
+        <p:spPr>
+          <a:xfrm>
+            <a:off x="7965339" y="3647194"/>
+            <a:ext cx="963482" cy="1169551"/>
+          </a:xfrm>
+          <a:prstGeom prst="rect">
+            <a:avLst/>
+          </a:prstGeom>
+        </p:spPr>
+        <p:style>
+          <a:lnRef idx="2">
+            <a:schemeClr val="accent6">
+              <a:shade val="50000"/>
+            </a:schemeClr>
+          </a:lnRef>
+          <a:fillRef idx="1">
+            <a:schemeClr val="accent6"/>
+          </a:fillRef>
+          <a:effectRef idx="0">
+            <a:schemeClr val="accent6"/>
+          </a:effectRef>
+          <a:fontRef idx="minor">
+            <a:schemeClr val="lt1"/>
+          </a:fontRef>
+        </p:style>
+        <p:txBody>
+          <a:bodyPr wrap="square" rtlCol="0">
+            <a:spAutoFit/>
+          </a:bodyPr>
+          <a:lstStyle/>
+          <a:p>
+            <a:r>
+              <a:rPr lang="en-US" altLang="ko-KR" sz="1400" b="1" dirty="0" smtClean="0"/>
+              <a:t>4.(</a:t>
+            </a:r>
+            <a:r>
+              <a:rPr lang="ko-KR" altLang="en-US" sz="1400" b="1" dirty="0" smtClean="0"/>
+              <a:t>조회한 정보</a:t>
+            </a:r>
+            <a:endParaRPr lang="en-US" altLang="ko-KR" sz="1400" b="1" dirty="0" smtClean="0"/>
+          </a:p>
+          <a:p>
+            <a:r>
+              <a:rPr lang="en-US" altLang="ko-KR" sz="1400" b="1" dirty="0" smtClean="0"/>
+              <a:t>VO</a:t>
+            </a:r>
+            <a:r>
+              <a:rPr lang="ko-KR" altLang="en-US" sz="1400" b="1" dirty="0" smtClean="0"/>
+              <a:t>에서 설정하여 반환</a:t>
+            </a:r>
+            <a:r>
+              <a:rPr lang="en-US" altLang="ko-KR" sz="1400" b="1" dirty="0"/>
+              <a:t>)</a:t>
+            </a:r>
+            <a:endParaRPr lang="ko-KR" altLang="en-US" sz="1400" b="1" dirty="0"/>
+          </a:p>
+        </p:txBody>
+      </p:sp>
+      <p:sp>
+        <p:nvSpPr>
+          <p:cNvPr id="36" name="TextBox 35"/>
+          <p:cNvSpPr txBox="1"/>
+          <p:nvPr/>
+        </p:nvSpPr>
+        <p:spPr>
+          <a:xfrm>
+            <a:off x="10550628" y="4646879"/>
+            <a:ext cx="1296259" cy="523220"/>
+          </a:xfrm>
+          <a:prstGeom prst="rect">
+            <a:avLst/>
+          </a:prstGeom>
+        </p:spPr>
+        <p:style>
+          <a:lnRef idx="2">
+            <a:schemeClr val="accent6">
+              <a:shade val="50000"/>
+            </a:schemeClr>
+          </a:lnRef>
+          <a:fillRef idx="1">
+            <a:schemeClr val="accent6"/>
+          </a:fillRef>
+          <a:effectRef idx="0">
+            <a:schemeClr val="accent6"/>
+          </a:effectRef>
+          <a:fontRef idx="minor">
+            <a:schemeClr val="lt1"/>
+          </a:fontRef>
+        </p:style>
+        <p:txBody>
+          <a:bodyPr wrap="square" rtlCol="0">
+            <a:spAutoFit/>
+          </a:bodyPr>
+          <a:lstStyle/>
+          <a:p>
+            <a:r>
+              <a:rPr lang="en-US" altLang="ko-KR" sz="1400" b="1" dirty="0" smtClean="0"/>
+              <a:t>3.(</a:t>
+            </a:r>
+            <a:r>
+              <a:rPr lang="en-US" altLang="ko-KR" sz="1400" b="1" dirty="0" smtClean="0"/>
+              <a:t>SQL</a:t>
+            </a:r>
+            <a:r>
+              <a:rPr lang="ko-KR" altLang="en-US" sz="1400" b="1" dirty="0" smtClean="0"/>
+              <a:t>문으로 정보 조회</a:t>
+            </a:r>
+            <a:r>
+              <a:rPr lang="en-US" altLang="ko-KR" sz="1400" b="1" dirty="0" smtClean="0"/>
+              <a:t>)</a:t>
+            </a:r>
+          </a:p>
+        </p:txBody>
+      </p:sp>
+      <p:sp>
+        <p:nvSpPr>
+          <p:cNvPr id="38" name="TextBox 37"/>
+          <p:cNvSpPr txBox="1"/>
+          <p:nvPr/>
+        </p:nvSpPr>
+        <p:spPr>
+          <a:xfrm>
+            <a:off x="4871348" y="1195027"/>
+            <a:ext cx="1505792" cy="954107"/>
+          </a:xfrm>
+          <a:prstGeom prst="rect">
+            <a:avLst/>
+          </a:prstGeom>
+        </p:spPr>
+        <p:style>
+          <a:lnRef idx="2">
+            <a:schemeClr val="accent6">
+              <a:shade val="50000"/>
+            </a:schemeClr>
+          </a:lnRef>
+          <a:fillRef idx="1">
+            <a:schemeClr val="accent6"/>
+          </a:fillRef>
+          <a:effectRef idx="0">
+            <a:schemeClr val="accent6"/>
+          </a:effectRef>
+          <a:fontRef idx="minor">
+            <a:schemeClr val="lt1"/>
+          </a:fontRef>
+        </p:style>
+        <p:txBody>
+          <a:bodyPr wrap="square" rtlCol="0">
+            <a:spAutoFit/>
+          </a:bodyPr>
+          <a:lstStyle/>
+          <a:p>
+            <a:r>
+              <a:rPr lang="en-US" altLang="ko-KR" sz="1400" b="1" dirty="0" smtClean="0"/>
+              <a:t>5.</a:t>
+            </a:r>
+          </a:p>
+          <a:p>
+            <a:r>
+              <a:rPr lang="en-US" altLang="ko-KR" sz="1400" b="1" dirty="0" smtClean="0"/>
+              <a:t>(Controller</a:t>
+            </a:r>
+            <a:r>
+              <a:rPr lang="ko-KR" altLang="en-US" sz="1400" b="1" dirty="0"/>
+              <a:t>가</a:t>
+            </a:r>
+            <a:r>
+              <a:rPr lang="ko-KR" altLang="en-US" sz="1400" b="1" dirty="0" smtClean="0"/>
+              <a:t> 받은 정보를 </a:t>
+            </a:r>
+            <a:endParaRPr lang="en-US" altLang="ko-KR" sz="1400" b="1" dirty="0" smtClean="0"/>
+          </a:p>
+          <a:p>
+            <a:r>
+              <a:rPr lang="en-US" altLang="ko-KR" sz="1400" b="1" dirty="0" err="1" smtClean="0"/>
+              <a:t>Jsp</a:t>
+            </a:r>
+            <a:r>
+              <a:rPr lang="ko-KR" altLang="en-US" sz="1400" b="1" dirty="0" smtClean="0"/>
+              <a:t>로 전송</a:t>
+            </a:r>
+            <a:r>
+              <a:rPr lang="en-US" altLang="ko-KR" sz="1400" b="1" dirty="0" smtClean="0"/>
+              <a:t>)</a:t>
+            </a:r>
+            <a:endParaRPr lang="ko-KR" altLang="en-US" sz="1400" b="1" dirty="0"/>
+          </a:p>
+        </p:txBody>
+      </p:sp>
+      <p:sp>
+        <p:nvSpPr>
+          <p:cNvPr id="43" name="TextBox 42"/>
+          <p:cNvSpPr txBox="1"/>
+          <p:nvPr/>
+        </p:nvSpPr>
+        <p:spPr>
+          <a:xfrm>
+            <a:off x="10404048" y="1390942"/>
+            <a:ext cx="1199367" cy="954107"/>
+          </a:xfrm>
+          <a:prstGeom prst="rect">
+            <a:avLst/>
+          </a:prstGeom>
+        </p:spPr>
+        <p:style>
+          <a:lnRef idx="2">
+            <a:schemeClr val="accent6">
+              <a:shade val="50000"/>
+            </a:schemeClr>
+          </a:lnRef>
+          <a:fillRef idx="1">
+            <a:schemeClr val="accent6"/>
+          </a:fillRef>
+          <a:effectRef idx="0">
+            <a:schemeClr val="accent6"/>
+          </a:effectRef>
+          <a:fontRef idx="minor">
+            <a:schemeClr val="lt1"/>
+          </a:fontRef>
+        </p:style>
+        <p:txBody>
+          <a:bodyPr wrap="none" rtlCol="0">
+            <a:spAutoFit/>
+          </a:bodyPr>
+          <a:lstStyle/>
+          <a:p>
+            <a:r>
+              <a:rPr lang="en-US" altLang="ko-KR" sz="1400" b="1" dirty="0" smtClean="0"/>
+              <a:t>2.</a:t>
+            </a:r>
+          </a:p>
+          <a:p>
+            <a:r>
+              <a:rPr lang="en-US" altLang="ko-KR" sz="1400" b="1" dirty="0" smtClean="0"/>
+              <a:t>(</a:t>
+            </a:r>
+            <a:r>
+              <a:rPr lang="ko-KR" altLang="en-US" sz="1400" b="1" dirty="0" err="1" smtClean="0"/>
+              <a:t>서블릿이</a:t>
+            </a:r>
+            <a:r>
+              <a:rPr lang="ko-KR" altLang="en-US" sz="1400" b="1" dirty="0" smtClean="0"/>
+              <a:t> </a:t>
+            </a:r>
+            <a:endParaRPr lang="en-US" altLang="ko-KR" sz="1400" b="1" dirty="0" smtClean="0"/>
+          </a:p>
+          <a:p>
+            <a:r>
+              <a:rPr lang="ko-KR" altLang="en-US" sz="1400" b="1" dirty="0" smtClean="0"/>
+              <a:t>요청 받고 </a:t>
+            </a:r>
+            <a:endParaRPr lang="en-US" altLang="ko-KR" sz="1400" b="1" dirty="0" smtClean="0"/>
+          </a:p>
+          <a:p>
+            <a:r>
+              <a:rPr lang="ko-KR" altLang="en-US" sz="1400" b="1" dirty="0" smtClean="0"/>
+              <a:t>메서드 호출</a:t>
+            </a:r>
+            <a:r>
+              <a:rPr lang="en-US" altLang="ko-KR" sz="1400" b="1" dirty="0" smtClean="0"/>
+              <a:t>)</a:t>
+            </a:r>
+            <a:endParaRPr lang="en-US" altLang="ko-KR" sz="1400" b="1" dirty="0"/>
+          </a:p>
+        </p:txBody>
+      </p:sp>
+      <p:sp>
+        <p:nvSpPr>
+          <p:cNvPr id="65" name="TextBox 64"/>
+          <p:cNvSpPr txBox="1"/>
+          <p:nvPr/>
+        </p:nvSpPr>
+        <p:spPr>
+          <a:xfrm>
+            <a:off x="9202" y="6457890"/>
+            <a:ext cx="3665940" cy="400110"/>
+          </a:xfrm>
+          <a:prstGeom prst="rect">
+            <a:avLst/>
+          </a:prstGeom>
+        </p:spPr>
+        <p:style>
+          <a:lnRef idx="3">
+            <a:schemeClr val="lt1"/>
+          </a:lnRef>
+          <a:fillRef idx="1">
+            <a:schemeClr val="accent3"/>
+          </a:fillRef>
+          <a:effectRef idx="1">
+            <a:schemeClr val="accent3"/>
+          </a:effectRef>
+          <a:fontRef idx="minor">
+            <a:schemeClr val="lt1"/>
+          </a:fontRef>
+        </p:style>
+        <p:txBody>
+          <a:bodyPr wrap="none" rtlCol="0">
+            <a:spAutoFit/>
+          </a:bodyPr>
+          <a:lstStyle/>
+          <a:p>
+            <a:r>
+              <a:rPr lang="en-US" altLang="ko-KR" sz="2000" b="1" dirty="0" smtClean="0">
+                <a:latin typeface="Arial Black" panose="020B0A04020102020204" pitchFamily="34" charset="0"/>
+              </a:rPr>
+              <a:t>kobalja2020@tistory.com</a:t>
+            </a:r>
+          </a:p>
+        </p:txBody>
+      </p:sp>
     </p:spTree>
     <p:extLst>
       <p:ext uri="{BB962C8B-B14F-4D97-AF65-F5344CB8AC3E}">
